--- a/IWOP CSS LECTRUES/IWOP_CSS_1.pptx
+++ b/IWOP CSS LECTRUES/IWOP_CSS_1.pptx
@@ -4115,7 +4115,7 @@
           <a:p>
             <a:fld id="{C4CE36E0-1C92-4702-A79B-A725055E1519}" type="datetimeFigureOut">
               <a:rPr lang="ko-KR" altLang="en-US" smtClean="0"/>
-              <a:t>2020-03-28</a:t>
+              <a:t>2020-06-26</a:t>
             </a:fld>
             <a:endParaRPr lang="ko-KR" altLang="en-US"/>
           </a:p>
@@ -4426,6 +4426,14 @@
           <a:bodyPr/>
           <a:lstStyle/>
           <a:p>
+            <a:r>
+              <a:rPr lang="en-US" altLang="ko-KR" dirty="0"/>
+              <a:t>1</a:t>
+            </a:r>
+            <a:r>
+              <a:rPr lang="ko-KR" altLang="en-US" dirty="0" err="1"/>
+              <a:t>차시에오</a:t>
+            </a:r>
             <a:endParaRPr lang="ko-KR" altLang="en-US" dirty="0"/>
           </a:p>
         </p:txBody>
@@ -6179,6 +6187,10 @@
           <a:bodyPr/>
           <a:lstStyle/>
           <a:p>
+            <a:r>
+              <a:rPr lang="ko-KR" altLang="en-US" dirty="0" err="1"/>
+              <a:t>목차에오</a:t>
+            </a:r>
             <a:endParaRPr lang="ko-KR" altLang="en-US" dirty="0"/>
           </a:p>
         </p:txBody>
@@ -7967,6 +7979,126 @@
           <a:lstStyle/>
           <a:p>
             <a:r>
+              <a:rPr lang="en-US" altLang="ko-KR" dirty="0"/>
+              <a:t>Inline style</a:t>
+            </a:r>
+            <a:r>
+              <a:rPr lang="ko-KR" altLang="en-US" dirty="0"/>
+              <a:t>은 </a:t>
+            </a:r>
+            <a:r>
+              <a:rPr lang="en-US" altLang="ko-KR" dirty="0"/>
+              <a:t>html</a:t>
+            </a:r>
+            <a:r>
+              <a:rPr lang="ko-KR" altLang="en-US" dirty="0"/>
+              <a:t>요소에 </a:t>
+            </a:r>
+            <a:r>
+              <a:rPr lang="en-US" altLang="ko-KR" dirty="0"/>
+              <a:t>style=“color : red”; </a:t>
+            </a:r>
+            <a:r>
+              <a:rPr lang="ko-KR" altLang="en-US" dirty="0" err="1"/>
+              <a:t>이런식으로</a:t>
+            </a:r>
+            <a:endParaRPr lang="en-US" altLang="ko-KR" dirty="0"/>
+          </a:p>
+          <a:p>
+            <a:r>
+              <a:rPr lang="en-US" altLang="ko-KR" dirty="0"/>
+              <a:t>Embedding style</a:t>
+            </a:r>
+            <a:r>
+              <a:rPr lang="ko-KR" altLang="en-US" dirty="0"/>
+              <a:t>은 </a:t>
+            </a:r>
+            <a:r>
+              <a:rPr lang="en-US" altLang="ko-KR" dirty="0"/>
+              <a:t>head </a:t>
+            </a:r>
+            <a:r>
+              <a:rPr lang="ko-KR" altLang="en-US" dirty="0"/>
+              <a:t>안에 </a:t>
+            </a:r>
+            <a:r>
+              <a:rPr lang="en-US" altLang="ko-KR" dirty="0"/>
+              <a:t>style </a:t>
+            </a:r>
+            <a:r>
+              <a:rPr lang="ko-KR" altLang="en-US" dirty="0"/>
+              <a:t>해서 그 안에 </a:t>
+            </a:r>
+            <a:r>
+              <a:rPr lang="ko-KR" altLang="en-US" dirty="0" err="1"/>
+              <a:t>셀렉터로</a:t>
+            </a:r>
+            <a:r>
+              <a:rPr lang="ko-KR" altLang="en-US" dirty="0"/>
+              <a:t> 선택해서 </a:t>
+            </a:r>
+            <a:r>
+              <a:rPr lang="ko-KR" altLang="en-US" dirty="0" err="1"/>
+              <a:t>하는거</a:t>
+            </a:r>
+            <a:endParaRPr lang="en-US" altLang="ko-KR" dirty="0"/>
+          </a:p>
+          <a:p>
+            <a:r>
+              <a:rPr lang="en-US" altLang="ko-KR" dirty="0"/>
+              <a:t>Link style</a:t>
+            </a:r>
+            <a:r>
+              <a:rPr lang="ko-KR" altLang="en-US" dirty="0"/>
+              <a:t>은 </a:t>
+            </a:r>
+            <a:r>
+              <a:rPr lang="en-US" altLang="ko-KR" dirty="0"/>
+              <a:t>.</a:t>
+            </a:r>
+            <a:r>
+              <a:rPr lang="en-US" altLang="ko-KR" dirty="0" err="1"/>
+              <a:t>css</a:t>
+            </a:r>
+            <a:r>
+              <a:rPr lang="ko-KR" altLang="en-US" dirty="0"/>
+              <a:t>파일 만들고 내용은 </a:t>
+            </a:r>
+            <a:r>
+              <a:rPr lang="en-US" altLang="ko-KR" dirty="0"/>
+              <a:t>2</a:t>
+            </a:r>
+            <a:r>
+              <a:rPr lang="ko-KR" altLang="en-US" dirty="0"/>
+              <a:t>번과 같이 쓰면 됩니다</a:t>
+            </a:r>
+            <a:r>
+              <a:rPr lang="en-US" altLang="ko-KR" dirty="0"/>
+              <a:t>.</a:t>
+            </a:r>
+          </a:p>
+          <a:p>
+            <a:endParaRPr lang="en-US" altLang="ko-KR" dirty="0"/>
+          </a:p>
+          <a:p>
+            <a:pPr marL="0" marR="0" lvl="0" indent="0" algn="l" defTabSz="914400" rtl="0" eaLnBrk="1" fontAlgn="auto" latinLnBrk="1" hangingPunct="1">
+              <a:lnSpc>
+                <a:spcPct val="100000"/>
+              </a:lnSpc>
+              <a:spcBef>
+                <a:spcPts val="0"/>
+              </a:spcBef>
+              <a:spcAft>
+                <a:spcPts val="0"/>
+              </a:spcAft>
+              <a:buClrTx/>
+              <a:buSzTx/>
+              <a:buFontTx/>
+              <a:buNone/>
+              <a:tabLst/>
+              <a:defRPr/>
+            </a:pPr>
+            <a:r>
               <a:rPr lang="ko-KR" altLang="en-US" dirty="0"/>
               <a:t>이름은 몰라도 되고 그냥 방법이 </a:t>
             </a:r>
@@ -7976,7 +8108,17 @@
             </a:r>
             <a:r>
               <a:rPr lang="ko-KR" altLang="en-US" dirty="0"/>
-              <a:t>가지고 우선순위를 </a:t>
+              <a:t>가지고</a:t>
+            </a:r>
+            <a:endParaRPr lang="en-US" altLang="ko-KR" dirty="0"/>
+          </a:p>
+          <a:p>
+            <a:endParaRPr lang="en-US" altLang="ko-KR" dirty="0"/>
+          </a:p>
+          <a:p>
+            <a:r>
+              <a:rPr lang="ko-KR" altLang="en-US" dirty="0"/>
+              <a:t>우선순위를 </a:t>
             </a:r>
             <a:r>
               <a:rPr lang="en-US" altLang="ko-KR" dirty="0"/>
@@ -7995,8 +8137,13 @@
             </a:r>
             <a:r>
               <a:rPr lang="en-US" altLang="ko-KR" dirty="0"/>
-              <a:t>3 &gt; 2 &gt; 1</a:t>
-            </a:r>
+              <a:t>3  2  1 </a:t>
+            </a:r>
+            <a:r>
+              <a:rPr lang="ko-KR" altLang="en-US" dirty="0"/>
+              <a:t>순서</a:t>
+            </a:r>
+            <a:endParaRPr lang="en-US" altLang="ko-KR" dirty="0"/>
           </a:p>
         </p:txBody>
       </p:sp>
@@ -22821,7 +22968,7 @@
         <p:spPr>
           <a:xfrm>
             <a:off x="759122" y="5223224"/>
-            <a:ext cx="5418471" cy="923330"/>
+            <a:ext cx="5208477" cy="923330"/>
           </a:xfrm>
           <a:prstGeom prst="rect">
             <a:avLst/>
@@ -22846,7 +22993,7 @@
           <a:p>
             <a:r>
               <a:rPr lang="ko-KR" altLang="en-US" b="1" dirty="0"/>
-              <a:t>그 속성을 편집하겠다는 의미임</a:t>
+              <a:t>그 속성을 편집하겠다는 의미</a:t>
             </a:r>
             <a:r>
               <a:rPr lang="en-US" altLang="ko-KR" b="1" dirty="0"/>
